--- a/Figures/bimodalCP.pptx
+++ b/Figures/bimodalCP.pptx
@@ -288,7 +288,7 @@
           <a:p>
             <a:fld id="{DA887A71-8295-4BA4-9413-C501583C4A6B}" type="datetimeFigureOut">
               <a:rPr lang="en-US" smtClean="0"/>
-              <a:t>7/2/2014</a:t>
+              <a:t>7/6/2014</a:t>
             </a:fld>
             <a:endParaRPr lang="en-US"/>
           </a:p>
@@ -458,7 +458,7 @@
           <a:p>
             <a:fld id="{DA887A71-8295-4BA4-9413-C501583C4A6B}" type="datetimeFigureOut">
               <a:rPr lang="en-US" smtClean="0"/>
-              <a:t>7/2/2014</a:t>
+              <a:t>7/6/2014</a:t>
             </a:fld>
             <a:endParaRPr lang="en-US"/>
           </a:p>
@@ -638,7 +638,7 @@
           <a:p>
             <a:fld id="{DA887A71-8295-4BA4-9413-C501583C4A6B}" type="datetimeFigureOut">
               <a:rPr lang="en-US" smtClean="0"/>
-              <a:t>7/2/2014</a:t>
+              <a:t>7/6/2014</a:t>
             </a:fld>
             <a:endParaRPr lang="en-US"/>
           </a:p>
@@ -808,7 +808,7 @@
           <a:p>
             <a:fld id="{DA887A71-8295-4BA4-9413-C501583C4A6B}" type="datetimeFigureOut">
               <a:rPr lang="en-US" smtClean="0"/>
-              <a:t>7/2/2014</a:t>
+              <a:t>7/6/2014</a:t>
             </a:fld>
             <a:endParaRPr lang="en-US"/>
           </a:p>
@@ -1054,7 +1054,7 @@
           <a:p>
             <a:fld id="{DA887A71-8295-4BA4-9413-C501583C4A6B}" type="datetimeFigureOut">
               <a:rPr lang="en-US" smtClean="0"/>
-              <a:t>7/2/2014</a:t>
+              <a:t>7/6/2014</a:t>
             </a:fld>
             <a:endParaRPr lang="en-US"/>
           </a:p>
@@ -1342,7 +1342,7 @@
           <a:p>
             <a:fld id="{DA887A71-8295-4BA4-9413-C501583C4A6B}" type="datetimeFigureOut">
               <a:rPr lang="en-US" smtClean="0"/>
-              <a:t>7/2/2014</a:t>
+              <a:t>7/6/2014</a:t>
             </a:fld>
             <a:endParaRPr lang="en-US"/>
           </a:p>
@@ -1764,7 +1764,7 @@
           <a:p>
             <a:fld id="{DA887A71-8295-4BA4-9413-C501583C4A6B}" type="datetimeFigureOut">
               <a:rPr lang="en-US" smtClean="0"/>
-              <a:t>7/2/2014</a:t>
+              <a:t>7/6/2014</a:t>
             </a:fld>
             <a:endParaRPr lang="en-US"/>
           </a:p>
@@ -1882,7 +1882,7 @@
           <a:p>
             <a:fld id="{DA887A71-8295-4BA4-9413-C501583C4A6B}" type="datetimeFigureOut">
               <a:rPr lang="en-US" smtClean="0"/>
-              <a:t>7/2/2014</a:t>
+              <a:t>7/6/2014</a:t>
             </a:fld>
             <a:endParaRPr lang="en-US"/>
           </a:p>
@@ -1977,7 +1977,7 @@
           <a:p>
             <a:fld id="{DA887A71-8295-4BA4-9413-C501583C4A6B}" type="datetimeFigureOut">
               <a:rPr lang="en-US" smtClean="0"/>
-              <a:t>7/2/2014</a:t>
+              <a:t>7/6/2014</a:t>
             </a:fld>
             <a:endParaRPr lang="en-US"/>
           </a:p>
@@ -2254,7 +2254,7 @@
           <a:p>
             <a:fld id="{DA887A71-8295-4BA4-9413-C501583C4A6B}" type="datetimeFigureOut">
               <a:rPr lang="en-US" smtClean="0"/>
-              <a:t>7/2/2014</a:t>
+              <a:t>7/6/2014</a:t>
             </a:fld>
             <a:endParaRPr lang="en-US"/>
           </a:p>
@@ -2507,7 +2507,7 @@
           <a:p>
             <a:fld id="{DA887A71-8295-4BA4-9413-C501583C4A6B}" type="datetimeFigureOut">
               <a:rPr lang="en-US" smtClean="0"/>
-              <a:t>7/2/2014</a:t>
+              <a:t>7/6/2014</a:t>
             </a:fld>
             <a:endParaRPr lang="en-US"/>
           </a:p>
@@ -2720,7 +2720,7 @@
           <a:p>
             <a:fld id="{DA887A71-8295-4BA4-9413-C501583C4A6B}" type="datetimeFigureOut">
               <a:rPr lang="en-US" smtClean="0"/>
-              <a:t>7/2/2014</a:t>
+              <a:t>7/6/2014</a:t>
             </a:fld>
             <a:endParaRPr lang="en-US"/>
           </a:p>
@@ -3103,12 +3103,60 @@
         </p:nvGrpSpPr>
         <p:grpSpPr>
           <a:xfrm>
-            <a:off x="1" y="312077"/>
+            <a:off x="-8147" y="315096"/>
             <a:ext cx="9144000" cy="5955030"/>
             <a:chOff x="0" y="0"/>
             <a:chExt cx="9867265" cy="5955030"/>
           </a:xfrm>
         </p:grpSpPr>
+        <p:sp>
+          <p:nvSpPr>
+            <p:cNvPr id="30" name="Trapezoid 29"/>
+            <p:cNvSpPr/>
+            <p:nvPr/>
+          </p:nvSpPr>
+          <p:spPr>
+            <a:xfrm rot="5400000">
+              <a:off x="6528483" y="3074122"/>
+              <a:ext cx="2447495" cy="413555"/>
+            </a:xfrm>
+            <a:prstGeom prst="trapezoid">
+              <a:avLst>
+                <a:gd name="adj" fmla="val 89028"/>
+              </a:avLst>
+            </a:prstGeom>
+            <a:ln/>
+          </p:spPr>
+          <p:style>
+            <a:lnRef idx="1">
+              <a:schemeClr val="accent1"/>
+            </a:lnRef>
+            <a:fillRef idx="2">
+              <a:schemeClr val="accent1"/>
+            </a:fillRef>
+            <a:effectRef idx="1">
+              <a:schemeClr val="accent1"/>
+            </a:effectRef>
+            <a:fontRef idx="minor">
+              <a:schemeClr val="dk1"/>
+            </a:fontRef>
+          </p:style>
+          <p:txBody>
+            <a:bodyPr rot="0" spcFirstLastPara="0" vert="horz" wrap="square" lIns="159371" tIns="79685" rIns="159371" bIns="79685" numCol="1" spcCol="0" rtlCol="0" fromWordArt="0" anchor="ctr" anchorCtr="0" forceAA="0" compatLnSpc="1">
+              <a:prstTxWarp prst="textNoShape">
+                <a:avLst/>
+              </a:prstTxWarp>
+              <a:noAutofit/>
+            </a:bodyPr>
+            <a:lstStyle/>
+            <a:p>
+              <a:endParaRPr lang="en-US">
+                <a:latin typeface="Arial" pitchFamily="34" charset="0"/>
+                <a:cs typeface="Arial" pitchFamily="34" charset="0"/>
+              </a:endParaRPr>
+            </a:p>
+          </p:txBody>
+        </p:sp>
         <p:sp>
           <p:nvSpPr>
             <p:cNvPr id="5" name="Rectangle 4"/>
@@ -3286,9 +3334,9 @@
             <p:nvPr/>
           </p:nvCxnSpPr>
           <p:spPr>
-            <a:xfrm flipH="1">
-              <a:off x="1822174" y="93709"/>
-              <a:ext cx="100" cy="3424624"/>
+            <a:xfrm>
+              <a:off x="1822276" y="93709"/>
+              <a:ext cx="0" cy="4650411"/>
             </a:xfrm>
             <a:prstGeom prst="line">
               <a:avLst/>
@@ -3476,8 +3524,8 @@
           </p:nvSpPr>
           <p:spPr>
             <a:xfrm>
-              <a:off x="4572006" y="4311282"/>
-              <a:ext cx="1171665" cy="630852"/>
+              <a:off x="4572007" y="3511513"/>
+              <a:ext cx="1171665" cy="1430621"/>
             </a:xfrm>
             <a:prstGeom prst="rect">
               <a:avLst/>
@@ -3507,7 +3555,54 @@
             </a:bodyPr>
             <a:lstStyle/>
             <a:p>
-              <a:endParaRPr lang="en-US">
+              <a:pPr algn="ctr"/>
+              <a:r>
+                <a:rPr lang="en-US" sz="2400" b="1" dirty="0" smtClean="0">
+                  <a:solidFill>
+                    <a:schemeClr val="tx1"/>
+                  </a:solidFill>
+                  <a:latin typeface="Arial" pitchFamily="34" charset="0"/>
+                  <a:cs typeface="Arial" pitchFamily="34" charset="0"/>
+                </a:rPr>
+                <a:t>FAC</a:t>
+              </a:r>
+              <a:endParaRPr lang="en-US" sz="2400" b="1" dirty="0" smtClean="0">
+                <a:solidFill>
+                  <a:schemeClr val="tx1"/>
+                </a:solidFill>
+                <a:latin typeface="Arial" pitchFamily="34" charset="0"/>
+                <a:cs typeface="Arial" pitchFamily="34" charset="0"/>
+              </a:endParaRPr>
+            </a:p>
+            <a:p>
+              <a:pPr algn="ctr"/>
+              <a:r>
+                <a:rPr lang="en-US" sz="2400" b="1" dirty="0" smtClean="0">
+                  <a:solidFill>
+                    <a:schemeClr val="tx1"/>
+                  </a:solidFill>
+                  <a:latin typeface="Arial" pitchFamily="34" charset="0"/>
+                  <a:cs typeface="Arial" pitchFamily="34" charset="0"/>
+                </a:rPr>
+                <a:t>+</a:t>
+              </a:r>
+            </a:p>
+            <a:p>
+              <a:pPr algn="ctr"/>
+              <a:r>
+                <a:rPr lang="en-US" sz="2400" b="1" dirty="0" smtClean="0">
+                  <a:solidFill>
+                    <a:schemeClr val="tx1"/>
+                  </a:solidFill>
+                  <a:latin typeface="Arial" pitchFamily="34" charset="0"/>
+                  <a:cs typeface="Arial" pitchFamily="34" charset="0"/>
+                </a:rPr>
+                <a:t>BTB</a:t>
+              </a:r>
+              <a:endParaRPr lang="en-US" sz="2400" b="1" dirty="0">
+                <a:solidFill>
+                  <a:schemeClr val="tx1"/>
+                </a:solidFill>
                 <a:latin typeface="Arial" pitchFamily="34" charset="0"/>
                 <a:cs typeface="Arial" pitchFamily="34" charset="0"/>
               </a:endParaRPr>
@@ -3522,8 +3617,8 @@
           </p:nvCxnSpPr>
           <p:spPr>
             <a:xfrm>
-              <a:off x="852397" y="4744120"/>
-              <a:ext cx="3719603" cy="0"/>
+              <a:off x="1822276" y="4744120"/>
+              <a:ext cx="2749724" cy="0"/>
             </a:xfrm>
             <a:prstGeom prst="straightConnector1">
               <a:avLst/>
@@ -3550,78 +3645,6 @@
             </a:fontRef>
           </p:style>
         </p:cxnSp>
-        <p:sp>
-          <p:nvSpPr>
-            <p:cNvPr id="15" name="Text Box 33"/>
-            <p:cNvSpPr txBox="1"/>
-            <p:nvPr/>
-          </p:nvSpPr>
-          <p:spPr>
-            <a:xfrm>
-              <a:off x="4695635" y="4368083"/>
-              <a:ext cx="1106789" cy="501964"/>
-            </a:xfrm>
-            <a:prstGeom prst="rect">
-              <a:avLst/>
-            </a:prstGeom>
-            <a:noFill/>
-            <a:ln w="6350">
-              <a:noFill/>
-            </a:ln>
-            <a:effectLst/>
-          </p:spPr>
-          <p:style>
-            <a:lnRef idx="0">
-              <a:schemeClr val="accent1"/>
-            </a:lnRef>
-            <a:fillRef idx="0">
-              <a:schemeClr val="accent1"/>
-            </a:fillRef>
-            <a:effectRef idx="0">
-              <a:schemeClr val="accent1"/>
-            </a:effectRef>
-            <a:fontRef idx="minor">
-              <a:schemeClr val="dk1"/>
-            </a:fontRef>
-          </p:style>
-          <p:txBody>
-            <a:bodyPr rot="0" spcFirstLastPara="0" vert="horz" wrap="square" lIns="159371" tIns="79685" rIns="159371" bIns="79685" numCol="1" spcCol="0" rtlCol="0" fromWordArt="0" anchor="t" anchorCtr="0" forceAA="0" compatLnSpc="1">
-              <a:prstTxWarp prst="textNoShape">
-                <a:avLst/>
-              </a:prstTxWarp>
-              <a:noAutofit/>
-            </a:bodyPr>
-            <a:lstStyle/>
-            <a:p>
-              <a:pPr marL="0" marR="0">
-                <a:lnSpc>
-                  <a:spcPct val="115000"/>
-                </a:lnSpc>
-                <a:spcBef>
-                  <a:spcPts val="0"/>
-                </a:spcBef>
-                <a:spcAft>
-                  <a:spcPts val="1000"/>
-                </a:spcAft>
-              </a:pPr>
-              <a:r>
-                <a:rPr lang="en-US" sz="2400" b="1">
-                  <a:effectLst/>
-                  <a:latin typeface="Arial" pitchFamily="34" charset="0"/>
-                  <a:ea typeface="宋体"/>
-                  <a:cs typeface="Arial" pitchFamily="34" charset="0"/>
-                </a:rPr>
-                <a:t>FAC</a:t>
-              </a:r>
-              <a:endParaRPr lang="en-US" sz="1100">
-                <a:effectLst/>
-                <a:latin typeface="Arial" pitchFamily="34" charset="0"/>
-                <a:ea typeface="宋体"/>
-                <a:cs typeface="Arial" pitchFamily="34" charset="0"/>
-              </a:endParaRPr>
-            </a:p>
-          </p:txBody>
-        </p:sp>
         <p:cxnSp>
           <p:nvCxnSpPr>
             <p:cNvPr id="16" name="Straight Connector 15"/>
@@ -3820,49 +3843,14 @@
         </p:cxnSp>
         <p:cxnSp>
           <p:nvCxnSpPr>
-            <p:cNvPr id="20" name="Straight Connector 19"/>
-            <p:cNvCxnSpPr/>
-            <p:nvPr/>
-          </p:nvCxnSpPr>
-          <p:spPr>
-            <a:xfrm>
-              <a:off x="4200505" y="3685581"/>
-              <a:ext cx="0" cy="819067"/>
-            </a:xfrm>
-            <a:prstGeom prst="line">
-              <a:avLst/>
-            </a:prstGeom>
-            <a:ln w="25400">
-              <a:solidFill>
-                <a:schemeClr val="tx1"/>
-              </a:solidFill>
-            </a:ln>
-          </p:spPr>
-          <p:style>
-            <a:lnRef idx="1">
-              <a:schemeClr val="accent1"/>
-            </a:lnRef>
-            <a:fillRef idx="0">
-              <a:schemeClr val="accent1"/>
-            </a:fillRef>
-            <a:effectRef idx="0">
-              <a:schemeClr val="accent1"/>
-            </a:effectRef>
-            <a:fontRef idx="minor">
-              <a:schemeClr val="tx1"/>
-            </a:fontRef>
-          </p:style>
-        </p:cxnSp>
-        <p:cxnSp>
-          <p:nvCxnSpPr>
             <p:cNvPr id="21" name="Straight Arrow Connector 20"/>
             <p:cNvCxnSpPr/>
             <p:nvPr/>
           </p:nvCxnSpPr>
           <p:spPr>
             <a:xfrm flipV="1">
-              <a:off x="6007591" y="2554093"/>
-              <a:ext cx="1571687" cy="466"/>
+              <a:off x="6007591" y="2553627"/>
+              <a:ext cx="1536632" cy="466"/>
             </a:xfrm>
             <a:prstGeom prst="straightConnector1">
               <a:avLst/>
@@ -3969,8 +3957,8 @@
           </p:nvCxnSpPr>
           <p:spPr>
             <a:xfrm>
-              <a:off x="6191250" y="3028497"/>
-              <a:ext cx="1353969" cy="3348"/>
+              <a:off x="6192088" y="3028195"/>
+              <a:ext cx="1353132" cy="3650"/>
             </a:xfrm>
             <a:prstGeom prst="straightConnector1">
               <a:avLst/>
@@ -4113,7 +4101,7 @@
           <p:spPr>
             <a:xfrm>
               <a:off x="6007591" y="2554093"/>
-              <a:ext cx="0" cy="1810449"/>
+              <a:ext cx="0" cy="1342627"/>
             </a:xfrm>
             <a:prstGeom prst="line">
               <a:avLst/>
@@ -4275,54 +4263,6 @@
             </a:effectRef>
             <a:fontRef idx="minor">
               <a:schemeClr val="lt1"/>
-            </a:fontRef>
-          </p:style>
-          <p:txBody>
-            <a:bodyPr rot="0" spcFirstLastPara="0" vert="horz" wrap="square" lIns="159371" tIns="79685" rIns="159371" bIns="79685" numCol="1" spcCol="0" rtlCol="0" fromWordArt="0" anchor="ctr" anchorCtr="0" forceAA="0" compatLnSpc="1">
-              <a:prstTxWarp prst="textNoShape">
-                <a:avLst/>
-              </a:prstTxWarp>
-              <a:noAutofit/>
-            </a:bodyPr>
-            <a:lstStyle/>
-            <a:p>
-              <a:endParaRPr lang="en-US">
-                <a:latin typeface="Arial" pitchFamily="34" charset="0"/>
-                <a:cs typeface="Arial" pitchFamily="34" charset="0"/>
-              </a:endParaRPr>
-            </a:p>
-          </p:txBody>
-        </p:sp>
-        <p:sp>
-          <p:nvSpPr>
-            <p:cNvPr id="30" name="Trapezoid 29"/>
-            <p:cNvSpPr/>
-            <p:nvPr/>
-          </p:nvSpPr>
-          <p:spPr>
-            <a:xfrm rot="5400000">
-              <a:off x="6528483" y="3074122"/>
-              <a:ext cx="2447495" cy="413555"/>
-            </a:xfrm>
-            <a:prstGeom prst="trapezoid">
-              <a:avLst>
-                <a:gd name="adj" fmla="val 89028"/>
-              </a:avLst>
-            </a:prstGeom>
-            <a:ln/>
-          </p:spPr>
-          <p:style>
-            <a:lnRef idx="1">
-              <a:schemeClr val="accent1"/>
-            </a:lnRef>
-            <a:fillRef idx="2">
-              <a:schemeClr val="accent1"/>
-            </a:fillRef>
-            <a:effectRef idx="1">
-              <a:schemeClr val="accent1"/>
-            </a:effectRef>
-            <a:fontRef idx="minor">
-              <a:schemeClr val="dk1"/>
             </a:fontRef>
           </p:style>
           <p:txBody>
@@ -4805,49 +4745,14 @@
         </p:cxnSp>
         <p:cxnSp>
           <p:nvCxnSpPr>
-            <p:cNvPr id="41" name="Straight Connector 40"/>
-            <p:cNvCxnSpPr/>
-            <p:nvPr/>
-          </p:nvCxnSpPr>
-          <p:spPr>
-            <a:xfrm>
-              <a:off x="3966306" y="3686197"/>
-              <a:ext cx="234219" cy="0"/>
-            </a:xfrm>
-            <a:prstGeom prst="line">
-              <a:avLst/>
-            </a:prstGeom>
-            <a:ln w="25400">
-              <a:solidFill>
-                <a:schemeClr val="tx1"/>
-              </a:solidFill>
-            </a:ln>
-          </p:spPr>
-          <p:style>
-            <a:lnRef idx="1">
-              <a:schemeClr val="accent1"/>
-            </a:lnRef>
-            <a:fillRef idx="0">
-              <a:schemeClr val="accent1"/>
-            </a:fillRef>
-            <a:effectRef idx="0">
-              <a:schemeClr val="accent1"/>
-            </a:effectRef>
-            <a:fontRef idx="minor">
-              <a:schemeClr val="tx1"/>
-            </a:fontRef>
-          </p:style>
-        </p:cxnSp>
-        <p:cxnSp>
-          <p:nvCxnSpPr>
             <p:cNvPr id="42" name="Straight Arrow Connector 41"/>
             <p:cNvCxnSpPr/>
             <p:nvPr/>
           </p:nvCxnSpPr>
           <p:spPr>
             <a:xfrm>
-              <a:off x="4200634" y="4505024"/>
-              <a:ext cx="371651" cy="15"/>
+              <a:off x="3966491" y="3887156"/>
+              <a:ext cx="605794" cy="0"/>
             </a:xfrm>
             <a:prstGeom prst="straightConnector1">
               <a:avLst/>
@@ -4882,7 +4787,7 @@
           </p:nvCxnSpPr>
           <p:spPr>
             <a:xfrm>
-              <a:off x="5743672" y="4368083"/>
+              <a:off x="5743672" y="3896720"/>
               <a:ext cx="258913" cy="0"/>
             </a:xfrm>
             <a:prstGeom prst="line">
@@ -4917,7 +4822,7 @@
           </p:nvCxnSpPr>
           <p:spPr>
             <a:xfrm>
-              <a:off x="5743316" y="4607551"/>
+              <a:off x="5748666" y="4110834"/>
               <a:ext cx="447742" cy="0"/>
             </a:xfrm>
             <a:prstGeom prst="line">
@@ -4951,9 +4856,9 @@
             <p:nvPr/>
           </p:nvCxnSpPr>
           <p:spPr>
-            <a:xfrm flipH="1">
-              <a:off x="6191058" y="3031845"/>
-              <a:ext cx="1029" cy="1575706"/>
+            <a:xfrm>
+              <a:off x="6192088" y="3031845"/>
+              <a:ext cx="0" cy="1092114"/>
             </a:xfrm>
             <a:prstGeom prst="line">
               <a:avLst/>
@@ -5095,8 +5000,8 @@
         </p:nvCxnSpPr>
         <p:spPr>
           <a:xfrm>
-            <a:off x="5868354" y="3889548"/>
-            <a:ext cx="1166097" cy="0"/>
+            <a:off x="5848237" y="3889548"/>
+            <a:ext cx="1134852" cy="0"/>
           </a:xfrm>
           <a:prstGeom prst="straightConnector1">
             <a:avLst/>
@@ -5131,8 +5036,8 @@
         </p:nvCxnSpPr>
         <p:spPr>
           <a:xfrm>
-            <a:off x="5334000" y="5181600"/>
-            <a:ext cx="534354" cy="13452"/>
+            <a:off x="5304844" y="4876800"/>
+            <a:ext cx="562556" cy="0"/>
           </a:xfrm>
           <a:prstGeom prst="line">
             <a:avLst/>
@@ -5165,9 +5070,9 @@
           <p:nvPr/>
         </p:nvCxnSpPr>
         <p:spPr>
-          <a:xfrm flipH="1">
-            <a:off x="5867400" y="3901191"/>
-            <a:ext cx="954" cy="1293861"/>
+          <a:xfrm>
+            <a:off x="5867400" y="3886200"/>
+            <a:ext cx="0" cy="990600"/>
           </a:xfrm>
           <a:prstGeom prst="line">
             <a:avLst/>

--- a/Figures/bimodalCP.pptx
+++ b/Figures/bimodalCP.pptx
@@ -288,7 +288,7 @@
           <a:p>
             <a:fld id="{DA887A71-8295-4BA4-9413-C501583C4A6B}" type="datetimeFigureOut">
               <a:rPr lang="en-US" smtClean="0"/>
-              <a:t>7/6/2014</a:t>
+              <a:t>7/28/2014</a:t>
             </a:fld>
             <a:endParaRPr lang="en-US"/>
           </a:p>
@@ -458,7 +458,7 @@
           <a:p>
             <a:fld id="{DA887A71-8295-4BA4-9413-C501583C4A6B}" type="datetimeFigureOut">
               <a:rPr lang="en-US" smtClean="0"/>
-              <a:t>7/6/2014</a:t>
+              <a:t>7/28/2014</a:t>
             </a:fld>
             <a:endParaRPr lang="en-US"/>
           </a:p>
@@ -638,7 +638,7 @@
           <a:p>
             <a:fld id="{DA887A71-8295-4BA4-9413-C501583C4A6B}" type="datetimeFigureOut">
               <a:rPr lang="en-US" smtClean="0"/>
-              <a:t>7/6/2014</a:t>
+              <a:t>7/28/2014</a:t>
             </a:fld>
             <a:endParaRPr lang="en-US"/>
           </a:p>
@@ -808,7 +808,7 @@
           <a:p>
             <a:fld id="{DA887A71-8295-4BA4-9413-C501583C4A6B}" type="datetimeFigureOut">
               <a:rPr lang="en-US" smtClean="0"/>
-              <a:t>7/6/2014</a:t>
+              <a:t>7/28/2014</a:t>
             </a:fld>
             <a:endParaRPr lang="en-US"/>
           </a:p>
@@ -1054,7 +1054,7 @@
           <a:p>
             <a:fld id="{DA887A71-8295-4BA4-9413-C501583C4A6B}" type="datetimeFigureOut">
               <a:rPr lang="en-US" smtClean="0"/>
-              <a:t>7/6/2014</a:t>
+              <a:t>7/28/2014</a:t>
             </a:fld>
             <a:endParaRPr lang="en-US"/>
           </a:p>
@@ -1342,7 +1342,7 @@
           <a:p>
             <a:fld id="{DA887A71-8295-4BA4-9413-C501583C4A6B}" type="datetimeFigureOut">
               <a:rPr lang="en-US" smtClean="0"/>
-              <a:t>7/6/2014</a:t>
+              <a:t>7/28/2014</a:t>
             </a:fld>
             <a:endParaRPr lang="en-US"/>
           </a:p>
@@ -1764,7 +1764,7 @@
           <a:p>
             <a:fld id="{DA887A71-8295-4BA4-9413-C501583C4A6B}" type="datetimeFigureOut">
               <a:rPr lang="en-US" smtClean="0"/>
-              <a:t>7/6/2014</a:t>
+              <a:t>7/28/2014</a:t>
             </a:fld>
             <a:endParaRPr lang="en-US"/>
           </a:p>
@@ -1882,7 +1882,7 @@
           <a:p>
             <a:fld id="{DA887A71-8295-4BA4-9413-C501583C4A6B}" type="datetimeFigureOut">
               <a:rPr lang="en-US" smtClean="0"/>
-              <a:t>7/6/2014</a:t>
+              <a:t>7/28/2014</a:t>
             </a:fld>
             <a:endParaRPr lang="en-US"/>
           </a:p>
@@ -1977,7 +1977,7 @@
           <a:p>
             <a:fld id="{DA887A71-8295-4BA4-9413-C501583C4A6B}" type="datetimeFigureOut">
               <a:rPr lang="en-US" smtClean="0"/>
-              <a:t>7/6/2014</a:t>
+              <a:t>7/28/2014</a:t>
             </a:fld>
             <a:endParaRPr lang="en-US"/>
           </a:p>
@@ -2254,7 +2254,7 @@
           <a:p>
             <a:fld id="{DA887A71-8295-4BA4-9413-C501583C4A6B}" type="datetimeFigureOut">
               <a:rPr lang="en-US" smtClean="0"/>
-              <a:t>7/6/2014</a:t>
+              <a:t>7/28/2014</a:t>
             </a:fld>
             <a:endParaRPr lang="en-US"/>
           </a:p>
@@ -2507,7 +2507,7 @@
           <a:p>
             <a:fld id="{DA887A71-8295-4BA4-9413-C501583C4A6B}" type="datetimeFigureOut">
               <a:rPr lang="en-US" smtClean="0"/>
-              <a:t>7/6/2014</a:t>
+              <a:t>7/28/2014</a:t>
             </a:fld>
             <a:endParaRPr lang="en-US"/>
           </a:p>
@@ -2720,7 +2720,7 @@
           <a:p>
             <a:fld id="{DA887A71-8295-4BA4-9413-C501583C4A6B}" type="datetimeFigureOut">
               <a:rPr lang="en-US" smtClean="0"/>
-              <a:t>7/6/2014</a:t>
+              <a:t>7/28/2014</a:t>
             </a:fld>
             <a:endParaRPr lang="en-US"/>
           </a:p>
@@ -3566,13 +3566,6 @@
                 </a:rPr>
                 <a:t>FAC</a:t>
               </a:r>
-              <a:endParaRPr lang="en-US" sz="2400" b="1" dirty="0" smtClean="0">
-                <a:solidFill>
-                  <a:schemeClr val="tx1"/>
-                </a:solidFill>
-                <a:latin typeface="Arial" pitchFamily="34" charset="0"/>
-                <a:cs typeface="Arial" pitchFamily="34" charset="0"/>
-              </a:endParaRPr>
             </a:p>
             <a:p>
               <a:pPr algn="ctr"/>
@@ -4064,9 +4057,9 @@
             <p:nvPr/>
           </p:nvCxnSpPr>
           <p:spPr>
-            <a:xfrm flipV="1">
-              <a:off x="5661235" y="5428985"/>
-              <a:ext cx="939050" cy="9400"/>
+            <a:xfrm>
+              <a:off x="5661235" y="5438385"/>
+              <a:ext cx="939253" cy="0"/>
             </a:xfrm>
             <a:prstGeom prst="line">
               <a:avLst/>
@@ -4100,8 +4093,8 @@
           </p:nvCxnSpPr>
           <p:spPr>
             <a:xfrm>
-              <a:off x="6007591" y="2554093"/>
-              <a:ext cx="0" cy="1342627"/>
+              <a:off x="6007591" y="2553627"/>
+              <a:ext cx="0" cy="1343093"/>
             </a:xfrm>
             <a:prstGeom prst="line">
               <a:avLst/>
@@ -4324,8 +4317,8 @@
           </p:nvCxnSpPr>
           <p:spPr>
             <a:xfrm>
-              <a:off x="7958785" y="3028750"/>
-              <a:ext cx="1416106" cy="0"/>
+              <a:off x="7958786" y="3028750"/>
+              <a:ext cx="1436791" cy="0"/>
             </a:xfrm>
             <a:prstGeom prst="line">
               <a:avLst/>
@@ -4359,7 +4352,7 @@
           </p:nvSpPr>
           <p:spPr>
             <a:xfrm>
-              <a:off x="7844692" y="2557634"/>
+              <a:off x="7847296" y="2558209"/>
               <a:ext cx="1909281" cy="473636"/>
             </a:xfrm>
             <a:prstGeom prst="rect">
@@ -4406,7 +4399,7 @@
                 </a:spcAft>
               </a:pPr>
               <a:r>
-                <a:rPr lang="en-US" sz="2400" b="1">
+                <a:rPr lang="en-US" sz="2400" b="1" dirty="0">
                   <a:effectLst/>
                   <a:latin typeface="Arial" pitchFamily="34" charset="0"/>
                   <a:ea typeface="宋体"/>
@@ -4414,7 +4407,7 @@
                 </a:rPr>
                 <a:t>Pred. PC</a:t>
               </a:r>
-              <a:endParaRPr lang="en-US" sz="1100">
+              <a:endParaRPr lang="en-US" sz="1100" dirty="0">
                 <a:effectLst/>
                 <a:latin typeface="Arial" pitchFamily="34" charset="0"/>
                 <a:ea typeface="宋体"/>
@@ -4857,8 +4850,8 @@
           </p:nvCxnSpPr>
           <p:spPr>
             <a:xfrm>
-              <a:off x="6192088" y="3031845"/>
-              <a:ext cx="0" cy="1092114"/>
+              <a:off x="6192088" y="3028195"/>
+              <a:ext cx="0" cy="1095764"/>
             </a:xfrm>
             <a:prstGeom prst="line">
               <a:avLst/>
@@ -4891,9 +4884,9 @@
             <p:nvPr/>
           </p:nvCxnSpPr>
           <p:spPr>
-            <a:xfrm flipH="1">
-              <a:off x="6591956" y="4095122"/>
-              <a:ext cx="8320" cy="1343089"/>
+            <a:xfrm>
+              <a:off x="6591956" y="4095114"/>
+              <a:ext cx="0" cy="1343097"/>
             </a:xfrm>
             <a:prstGeom prst="line">
               <a:avLst/>
